--- a/L1_python_setup.pptx
+++ b/L1_python_setup.pptx
@@ -129,7 +129,7 @@
 <file path=ppt/revisionInfo.xml><?xml version="1.0" encoding="utf-8"?>
 <p1510:revInfo xmlns:a="http://schemas.openxmlformats.org/drawingml/2006/main" xmlns:r="http://schemas.openxmlformats.org/officeDocument/2006/relationships" xmlns:p1510="http://schemas.microsoft.com/office/powerpoint/2015/10/main">
   <p1510:revLst>
-    <p1510:client id="{51DB6C59-ECC9-41E7-8143-7CE4D840CA3D}" v="22" dt="2025-01-28T17:24:03.532"/>
+    <p1510:client id="{51DB6C59-ECC9-41E7-8143-7CE4D840CA3D}" v="59" dt="2025-01-28T19:47:08.941"/>
   </p1510:revLst>
 </p1510:revInfo>
 </file>
@@ -792,7 +792,7 @@
   <pc:docChgLst>
     <pc:chgData name="Panagiotis Herodotou" userId="0b8fad50-1c08-48a8-90b9-05d71b208ccb" providerId="ADAL" clId="{51DB6C59-ECC9-41E7-8143-7CE4D840CA3D}"/>
     <pc:docChg chg="undo redo custSel addSld delSld modSld">
-      <pc:chgData name="Panagiotis Herodotou" userId="0b8fad50-1c08-48a8-90b9-05d71b208ccb" providerId="ADAL" clId="{51DB6C59-ECC9-41E7-8143-7CE4D840CA3D}" dt="2025-01-28T17:29:16.324" v="484" actId="20577"/>
+      <pc:chgData name="Panagiotis Herodotou" userId="0b8fad50-1c08-48a8-90b9-05d71b208ccb" providerId="ADAL" clId="{51DB6C59-ECC9-41E7-8143-7CE4D840CA3D}" dt="2025-01-28T19:47:08.941" v="520" actId="20577"/>
       <pc:docMkLst>
         <pc:docMk/>
       </pc:docMkLst>
@@ -802,6 +802,21 @@
           <pc:docMk/>
           <pc:sldMk cId="1912274229" sldId="256"/>
         </pc:sldMkLst>
+      </pc:sldChg>
+      <pc:sldChg chg="modSp">
+        <pc:chgData name="Panagiotis Herodotou" userId="0b8fad50-1c08-48a8-90b9-05d71b208ccb" providerId="ADAL" clId="{51DB6C59-ECC9-41E7-8143-7CE4D840CA3D}" dt="2025-01-28T19:47:08.941" v="520" actId="20577"/>
+        <pc:sldMkLst>
+          <pc:docMk/>
+          <pc:sldMk cId="4134341266" sldId="321"/>
+        </pc:sldMkLst>
+        <pc:graphicFrameChg chg="mod">
+          <ac:chgData name="Panagiotis Herodotou" userId="0b8fad50-1c08-48a8-90b9-05d71b208ccb" providerId="ADAL" clId="{51DB6C59-ECC9-41E7-8143-7CE4D840CA3D}" dt="2025-01-28T19:47:08.941" v="520" actId="20577"/>
+          <ac:graphicFrameMkLst>
+            <pc:docMk/>
+            <pc:sldMk cId="4134341266" sldId="321"/>
+            <ac:graphicFrameMk id="7" creationId="{DAC44C09-4F19-3665-F470-CE2A33FF8DBD}"/>
+          </ac:graphicFrameMkLst>
+        </pc:graphicFrameChg>
       </pc:sldChg>
       <pc:sldChg chg="del">
         <pc:chgData name="Panagiotis Herodotou" userId="0b8fad50-1c08-48a8-90b9-05d71b208ccb" providerId="ADAL" clId="{51DB6C59-ECC9-41E7-8143-7CE4D840CA3D}" dt="2025-01-28T17:28:04.452" v="437" actId="47"/>
@@ -2079,8 +2094,19 @@
             </a:lnSpc>
           </a:pPr>
           <a:r>
+            <a:rPr lang="en-NL" dirty="0"/>
+            <a:t>Special Scientist</a:t>
+          </a:r>
+        </a:p>
+        <a:p>
+          <a:pPr>
+            <a:lnSpc>
+              <a:spcPct val="100000"/>
+            </a:lnSpc>
+          </a:pPr>
+          <a:r>
             <a:rPr lang="en-NL"/>
-            <a:t>Special Scientist</a:t>
+            <a:t>PhD Student MME</a:t>
           </a:r>
           <a:endParaRPr lang="en-US" dirty="0"/>
         </a:p>
@@ -2129,21 +2155,15 @@
             <a:rPr lang="en-NL" dirty="0">
               <a:hlinkClick xmlns:r="http://schemas.openxmlformats.org/officeDocument/2006/relationships" r:id="rId1"/>
             </a:rPr>
-            <a:t>pherod01@ucy.ac.cy</a:t>
+            <a:t>pherod01@ucy.ac</a:t>
+          </a:r>
+          <a:r>
+            <a:rPr lang="en-NL">
+              <a:hlinkClick xmlns:r="http://schemas.openxmlformats.org/officeDocument/2006/relationships" r:id="rId1"/>
+            </a:rPr>
+            <a:t>.cy</a:t>
           </a:r>
           <a:endParaRPr lang="en-NL" dirty="0"/>
-        </a:p>
-        <a:p>
-          <a:pPr>
-            <a:lnSpc>
-              <a:spcPct val="100000"/>
-            </a:lnSpc>
-          </a:pPr>
-          <a:r>
-            <a:rPr lang="en-NL" dirty="0"/>
-            <a:t>94055169</a:t>
-          </a:r>
-          <a:endParaRPr lang="en-US" dirty="0"/>
         </a:p>
       </dgm:t>
     </dgm:pt>
@@ -2455,7 +2475,7 @@
         </a:bodyPr>
         <a:lstStyle/>
         <a:p>
-          <a:pPr marL="0" lvl="0" indent="0" algn="l" defTabSz="1066800">
+          <a:pPr marL="0" lvl="0" indent="0" algn="l" defTabSz="977900">
             <a:lnSpc>
               <a:spcPct val="100000"/>
             </a:lnSpc>
@@ -2468,12 +2488,12 @@
             <a:buNone/>
           </a:pPr>
           <a:r>
-            <a:rPr lang="en-NL" sz="2400" kern="1200" dirty="0"/>
+            <a:rPr lang="en-NL" sz="2200" kern="1200" dirty="0"/>
             <a:t>Panagiotis Herodotou</a:t>
           </a:r>
         </a:p>
         <a:p>
-          <a:pPr marL="0" lvl="0" indent="0" algn="l" defTabSz="1066800">
+          <a:pPr marL="0" lvl="0" indent="0" algn="l" defTabSz="977900">
             <a:lnSpc>
               <a:spcPct val="100000"/>
             </a:lnSpc>
@@ -2486,10 +2506,28 @@
             <a:buNone/>
           </a:pPr>
           <a:r>
-            <a:rPr lang="en-NL" sz="2400" kern="1200"/>
+            <a:rPr lang="en-NL" sz="2200" kern="1200" dirty="0"/>
             <a:t>Special Scientist</a:t>
           </a:r>
-          <a:endParaRPr lang="en-US" sz="2400" kern="1200" dirty="0"/>
+        </a:p>
+        <a:p>
+          <a:pPr marL="0" lvl="0" indent="0" algn="l" defTabSz="977900">
+            <a:lnSpc>
+              <a:spcPct val="100000"/>
+            </a:lnSpc>
+            <a:spcBef>
+              <a:spcPct val="0"/>
+            </a:spcBef>
+            <a:spcAft>
+              <a:spcPct val="35000"/>
+            </a:spcAft>
+            <a:buNone/>
+          </a:pPr>
+          <a:r>
+            <a:rPr lang="en-NL" sz="2200" kern="1200"/>
+            <a:t>PhD Student MME</a:t>
+          </a:r>
+          <a:endParaRPr lang="en-US" sz="2200" kern="1200" dirty="0"/>
         </a:p>
       </dsp:txBody>
       <dsp:txXfrm>
@@ -2630,7 +2668,7 @@
         </a:bodyPr>
         <a:lstStyle/>
         <a:p>
-          <a:pPr marL="0" lvl="0" indent="0" algn="l" defTabSz="1066800">
+          <a:pPr marL="0" lvl="0" indent="0" algn="l" defTabSz="977900">
             <a:lnSpc>
               <a:spcPct val="100000"/>
             </a:lnSpc>
@@ -2643,31 +2681,18 @@
             <a:buNone/>
           </a:pPr>
           <a:r>
-            <a:rPr lang="en-NL" sz="2400" kern="1200" dirty="0">
+            <a:rPr lang="en-NL" sz="2200" kern="1200" dirty="0">
               <a:hlinkClick xmlns:r="http://schemas.openxmlformats.org/officeDocument/2006/relationships" r:id="rId5"/>
             </a:rPr>
-            <a:t>pherod01@ucy.ac.cy</a:t>
+            <a:t>pherod01@ucy.ac</a:t>
           </a:r>
-          <a:endParaRPr lang="en-NL" sz="2400" kern="1200" dirty="0"/>
-        </a:p>
-        <a:p>
-          <a:pPr marL="0" lvl="0" indent="0" algn="l" defTabSz="1066800">
-            <a:lnSpc>
-              <a:spcPct val="100000"/>
-            </a:lnSpc>
-            <a:spcBef>
-              <a:spcPct val="0"/>
-            </a:spcBef>
-            <a:spcAft>
-              <a:spcPct val="35000"/>
-            </a:spcAft>
-            <a:buNone/>
-          </a:pPr>
           <a:r>
-            <a:rPr lang="en-NL" sz="2400" kern="1200" dirty="0"/>
-            <a:t>94055169</a:t>
+            <a:rPr lang="en-NL" sz="2200" kern="1200">
+              <a:hlinkClick xmlns:r="http://schemas.openxmlformats.org/officeDocument/2006/relationships" r:id="rId5"/>
+            </a:rPr>
+            <a:t>.cy</a:t>
           </a:r>
-          <a:endParaRPr lang="en-US" sz="2400" kern="1200" dirty="0"/>
+          <a:endParaRPr lang="en-NL" sz="2200" kern="1200" dirty="0"/>
         </a:p>
       </dsp:txBody>
       <dsp:txXfrm>
@@ -9979,7 +10004,7 @@
             <p:ph idx="1"/>
             <p:extLst>
               <p:ext uri="{D42A27DB-BD31-4B8C-83A1-F6EECF244321}">
-                <p14:modId xmlns:p14="http://schemas.microsoft.com/office/powerpoint/2010/main" val="2673659881"/>
+                <p14:modId xmlns:p14="http://schemas.microsoft.com/office/powerpoint/2010/main" val="3927418314"/>
               </p:ext>
             </p:extLst>
           </p:nvPr>
